--- a/ppt/1.Introduction to R.pptx
+++ b/ppt/1.Introduction to R.pptx
@@ -277,7 +277,7 @@
           <a:p>
             <a:fld id="{4C6922A7-3BBE-4BCF-96FA-7C677138D0F8}" type="datetimeFigureOut">
               <a:rPr lang="ko-KR" altLang="en-US" smtClean="0"/>
-              <a:t>2017-03-02</a:t>
+              <a:t>2017-03-07</a:t>
             </a:fld>
             <a:endParaRPr lang="ko-KR" altLang="en-US"/>
           </a:p>
@@ -447,7 +447,7 @@
           <a:p>
             <a:fld id="{4C6922A7-3BBE-4BCF-96FA-7C677138D0F8}" type="datetimeFigureOut">
               <a:rPr lang="ko-KR" altLang="en-US" smtClean="0"/>
-              <a:t>2017-03-02</a:t>
+              <a:t>2017-03-07</a:t>
             </a:fld>
             <a:endParaRPr lang="ko-KR" altLang="en-US"/>
           </a:p>
@@ -627,7 +627,7 @@
           <a:p>
             <a:fld id="{4C6922A7-3BBE-4BCF-96FA-7C677138D0F8}" type="datetimeFigureOut">
               <a:rPr lang="ko-KR" altLang="en-US" smtClean="0"/>
-              <a:t>2017-03-02</a:t>
+              <a:t>2017-03-07</a:t>
             </a:fld>
             <a:endParaRPr lang="ko-KR" altLang="en-US"/>
           </a:p>
@@ -797,7 +797,7 @@
           <a:p>
             <a:fld id="{4C6922A7-3BBE-4BCF-96FA-7C677138D0F8}" type="datetimeFigureOut">
               <a:rPr lang="ko-KR" altLang="en-US" smtClean="0"/>
-              <a:t>2017-03-02</a:t>
+              <a:t>2017-03-07</a:t>
             </a:fld>
             <a:endParaRPr lang="ko-KR" altLang="en-US"/>
           </a:p>
@@ -1043,7 +1043,7 @@
           <a:p>
             <a:fld id="{4C6922A7-3BBE-4BCF-96FA-7C677138D0F8}" type="datetimeFigureOut">
               <a:rPr lang="ko-KR" altLang="en-US" smtClean="0"/>
-              <a:t>2017-03-02</a:t>
+              <a:t>2017-03-07</a:t>
             </a:fld>
             <a:endParaRPr lang="ko-KR" altLang="en-US"/>
           </a:p>
@@ -1275,7 +1275,7 @@
           <a:p>
             <a:fld id="{4C6922A7-3BBE-4BCF-96FA-7C677138D0F8}" type="datetimeFigureOut">
               <a:rPr lang="ko-KR" altLang="en-US" smtClean="0"/>
-              <a:t>2017-03-02</a:t>
+              <a:t>2017-03-07</a:t>
             </a:fld>
             <a:endParaRPr lang="ko-KR" altLang="en-US"/>
           </a:p>
@@ -1642,7 +1642,7 @@
           <a:p>
             <a:fld id="{4C6922A7-3BBE-4BCF-96FA-7C677138D0F8}" type="datetimeFigureOut">
               <a:rPr lang="ko-KR" altLang="en-US" smtClean="0"/>
-              <a:t>2017-03-02</a:t>
+              <a:t>2017-03-07</a:t>
             </a:fld>
             <a:endParaRPr lang="ko-KR" altLang="en-US"/>
           </a:p>
@@ -1760,7 +1760,7 @@
           <a:p>
             <a:fld id="{4C6922A7-3BBE-4BCF-96FA-7C677138D0F8}" type="datetimeFigureOut">
               <a:rPr lang="ko-KR" altLang="en-US" smtClean="0"/>
-              <a:t>2017-03-02</a:t>
+              <a:t>2017-03-07</a:t>
             </a:fld>
             <a:endParaRPr lang="ko-KR" altLang="en-US"/>
           </a:p>
@@ -1855,7 +1855,7 @@
           <a:p>
             <a:fld id="{4C6922A7-3BBE-4BCF-96FA-7C677138D0F8}" type="datetimeFigureOut">
               <a:rPr lang="ko-KR" altLang="en-US" smtClean="0"/>
-              <a:t>2017-03-02</a:t>
+              <a:t>2017-03-07</a:t>
             </a:fld>
             <a:endParaRPr lang="ko-KR" altLang="en-US"/>
           </a:p>
@@ -2132,7 +2132,7 @@
           <a:p>
             <a:fld id="{4C6922A7-3BBE-4BCF-96FA-7C677138D0F8}" type="datetimeFigureOut">
               <a:rPr lang="ko-KR" altLang="en-US" smtClean="0"/>
-              <a:t>2017-03-02</a:t>
+              <a:t>2017-03-07</a:t>
             </a:fld>
             <a:endParaRPr lang="ko-KR" altLang="en-US"/>
           </a:p>
@@ -2385,7 +2385,7 @@
           <a:p>
             <a:fld id="{4C6922A7-3BBE-4BCF-96FA-7C677138D0F8}" type="datetimeFigureOut">
               <a:rPr lang="ko-KR" altLang="en-US" smtClean="0"/>
-              <a:t>2017-03-02</a:t>
+              <a:t>2017-03-07</a:t>
             </a:fld>
             <a:endParaRPr lang="ko-KR" altLang="en-US"/>
           </a:p>
@@ -2598,7 +2598,7 @@
           <a:p>
             <a:fld id="{4C6922A7-3BBE-4BCF-96FA-7C677138D0F8}" type="datetimeFigureOut">
               <a:rPr lang="ko-KR" altLang="en-US" smtClean="0"/>
-              <a:t>2017-03-02</a:t>
+              <a:t>2017-03-07</a:t>
             </a:fld>
             <a:endParaRPr lang="ko-KR" altLang="en-US"/>
           </a:p>
@@ -3126,6 +3126,7 @@
               <a:rPr lang="en-US" altLang="ko-KR" dirty="0" smtClean="0"/>
               <a:t>or print(x) or show(x).</a:t>
             </a:r>
+            <a:endParaRPr lang="en-US" altLang="ko-KR" dirty="0" smtClean="0"/>
           </a:p>
           <a:p>
             <a:pPr marL="0" indent="0">
@@ -3295,7 +3296,7 @@
             </a:r>
             <a:r>
               <a:rPr lang="en-US" altLang="ko-KR" i="1" dirty="0" smtClean="0"/>
-              <a:t>n &lt; n+1</a:t>
+              <a:t>n &lt;- n+1</a:t>
             </a:r>
           </a:p>
           <a:p>
@@ -3599,7 +3600,15 @@
             </a:r>
             <a:r>
               <a:rPr lang="en-US" altLang="ko-KR" i="1" dirty="0" smtClean="0"/>
-              <a:t>(to = 9, from 1)</a:t>
+              <a:t>(to = 9, from </a:t>
+            </a:r>
+            <a:r>
+              <a:rPr lang="en-US" altLang="ko-KR" i="1" dirty="0" smtClean="0"/>
+              <a:t>=1</a:t>
+            </a:r>
+            <a:r>
+              <a:rPr lang="en-US" altLang="ko-KR" i="1" dirty="0" smtClean="0"/>
+              <a:t>)</a:t>
             </a:r>
           </a:p>
           <a:p>
@@ -3901,7 +3910,11 @@
             </a:pPr>
             <a:r>
               <a:rPr lang="en-US" altLang="ko-KR" i="1" dirty="0" smtClean="0"/>
-              <a:t>&gt; (x &lt;- 100:110)</a:t>
+              <a:t>&gt; </a:t>
+            </a:r>
+            <a:r>
+              <a:rPr lang="en-US" altLang="ko-KR" i="1" dirty="0" smtClean="0"/>
+              <a:t>(x &lt;- 100:110)</a:t>
             </a:r>
           </a:p>
           <a:p>
@@ -4210,7 +4223,7 @@
           </a:p>
           <a:p>
             <a:r>
-              <a:rPr lang="en-US" altLang="ko-KR" dirty="0" smtClean="0"/>
+              <a:rPr lang="en-US" altLang="ko-KR" dirty="0"/>
               <a:t>algebraic operation : elementwise</a:t>
             </a:r>
           </a:p>
@@ -4224,7 +4237,19 @@
             </a:r>
             <a:r>
               <a:rPr lang="en-US" altLang="ko-KR" i="1" dirty="0" smtClean="0"/>
-              <a:t>x &lt;- (1, 2, 3)</a:t>
+              <a:t>x &lt;- </a:t>
+            </a:r>
+            <a:r>
+              <a:rPr lang="en-US" altLang="ko-KR" i="1" dirty="0"/>
+              <a:t>c</a:t>
+            </a:r>
+            <a:r>
+              <a:rPr lang="en-US" altLang="ko-KR" i="1" dirty="0" smtClean="0"/>
+              <a:t>(1</a:t>
+            </a:r>
+            <a:r>
+              <a:rPr lang="en-US" altLang="ko-KR" i="1" dirty="0" smtClean="0"/>
+              <a:t>, 2, 3)</a:t>
             </a:r>
           </a:p>
           <a:p>
@@ -4237,7 +4262,15 @@
             </a:r>
             <a:r>
               <a:rPr lang="en-US" altLang="ko-KR" i="1" dirty="0" smtClean="0"/>
-              <a:t>y &lt;- (4, 5, 6)</a:t>
+              <a:t>y &lt;- </a:t>
+            </a:r>
+            <a:r>
+              <a:rPr lang="en-US" altLang="ko-KR" i="1" dirty="0" smtClean="0"/>
+              <a:t>c(4</a:t>
+            </a:r>
+            <a:r>
+              <a:rPr lang="en-US" altLang="ko-KR" i="1" dirty="0" smtClean="0"/>
+              <a:t>, 5, 6)</a:t>
             </a:r>
           </a:p>
           <a:p>
@@ -5525,7 +5558,11 @@
             </a:r>
             <a:r>
               <a:rPr lang="en-US" altLang="ko-KR" i="1" dirty="0" smtClean="0"/>
-              <a:t>mean((c(1,2,3))</a:t>
+              <a:t>mean(c(1,2,3</a:t>
+            </a:r>
+            <a:r>
+              <a:rPr lang="en-US" altLang="ko-KR" i="1" dirty="0" smtClean="0"/>
+              <a:t>))</a:t>
             </a:r>
           </a:p>
           <a:p>
@@ -6085,7 +6122,15 @@
             </a:r>
             <a:r>
               <a:rPr lang="en-US" altLang="ko-KR" i="1" dirty="0" smtClean="0"/>
-              <a:t>x &lt;- c(1, 1, 2, 3, 5, 8 13)</a:t>
+              <a:t>x &lt;- c(1, 1, 2, 3, 5, </a:t>
+            </a:r>
+            <a:r>
+              <a:rPr lang="en-US" altLang="ko-KR" i="1" dirty="0" smtClean="0"/>
+              <a:t>8, </a:t>
+            </a:r>
+            <a:r>
+              <a:rPr lang="en-US" altLang="ko-KR" i="1" dirty="0" smtClean="0"/>
+              <a:t>13)</a:t>
             </a:r>
           </a:p>
           <a:p>
@@ -7324,7 +7369,15 @@
             </a:r>
             <a:r>
               <a:rPr lang="en-US" altLang="ko-KR" i="1" dirty="0" smtClean="0"/>
-              <a:t> &lt; solve(A)</a:t>
+              <a:t> </a:t>
+            </a:r>
+            <a:r>
+              <a:rPr lang="en-US" altLang="ko-KR" i="1" dirty="0" smtClean="0"/>
+              <a:t>&lt;- </a:t>
+            </a:r>
+            <a:r>
+              <a:rPr lang="en-US" altLang="ko-KR" i="1" dirty="0" smtClean="0"/>
+              <a:t>solve(A)</a:t>
             </a:r>
           </a:p>
           <a:p>
@@ -8240,22 +8293,16 @@
               <a:t>패키지들</a:t>
             </a:r>
             <a:r>
-              <a:rPr lang="en-US" altLang="ko-KR" smtClean="0">
+              <a:rPr lang="en-US" altLang="ko-KR" dirty="0" smtClean="0">
                 <a:latin typeface="+mn-ea"/>
               </a:rPr>
               <a:t>'</a:t>
             </a:r>
             <a:r>
-              <a:rPr lang="ko-KR" altLang="en-US" smtClean="0">
-                <a:latin typeface="+mn-ea"/>
-              </a:rPr>
-              <a:t> </a:t>
-            </a:r>
-            <a:r>
               <a:rPr lang="ko-KR" altLang="en-US" dirty="0" smtClean="0">
                 <a:latin typeface="+mn-ea"/>
               </a:rPr>
-              <a:t>메뉴를 이용할 수 있음</a:t>
+              <a:t> 메뉴를 이용할 수 있음</a:t>
             </a:r>
             <a:endParaRPr lang="en-US" altLang="ko-KR" dirty="0" smtClean="0">
               <a:latin typeface="+mn-ea"/>

--- a/ppt/1.Introduction to R.pptx
+++ b/ppt/1.Introduction to R.pptx
@@ -277,7 +277,7 @@
           <a:p>
             <a:fld id="{4C6922A7-3BBE-4BCF-96FA-7C677138D0F8}" type="datetimeFigureOut">
               <a:rPr lang="ko-KR" altLang="en-US" smtClean="0"/>
-              <a:t>2017-03-07</a:t>
+              <a:t>2017-03-13</a:t>
             </a:fld>
             <a:endParaRPr lang="ko-KR" altLang="en-US"/>
           </a:p>
@@ -447,7 +447,7 @@
           <a:p>
             <a:fld id="{4C6922A7-3BBE-4BCF-96FA-7C677138D0F8}" type="datetimeFigureOut">
               <a:rPr lang="ko-KR" altLang="en-US" smtClean="0"/>
-              <a:t>2017-03-07</a:t>
+              <a:t>2017-03-13</a:t>
             </a:fld>
             <a:endParaRPr lang="ko-KR" altLang="en-US"/>
           </a:p>
@@ -627,7 +627,7 @@
           <a:p>
             <a:fld id="{4C6922A7-3BBE-4BCF-96FA-7C677138D0F8}" type="datetimeFigureOut">
               <a:rPr lang="ko-KR" altLang="en-US" smtClean="0"/>
-              <a:t>2017-03-07</a:t>
+              <a:t>2017-03-13</a:t>
             </a:fld>
             <a:endParaRPr lang="ko-KR" altLang="en-US"/>
           </a:p>
@@ -797,7 +797,7 @@
           <a:p>
             <a:fld id="{4C6922A7-3BBE-4BCF-96FA-7C677138D0F8}" type="datetimeFigureOut">
               <a:rPr lang="ko-KR" altLang="en-US" smtClean="0"/>
-              <a:t>2017-03-07</a:t>
+              <a:t>2017-03-13</a:t>
             </a:fld>
             <a:endParaRPr lang="ko-KR" altLang="en-US"/>
           </a:p>
@@ -1043,7 +1043,7 @@
           <a:p>
             <a:fld id="{4C6922A7-3BBE-4BCF-96FA-7C677138D0F8}" type="datetimeFigureOut">
               <a:rPr lang="ko-KR" altLang="en-US" smtClean="0"/>
-              <a:t>2017-03-07</a:t>
+              <a:t>2017-03-13</a:t>
             </a:fld>
             <a:endParaRPr lang="ko-KR" altLang="en-US"/>
           </a:p>
@@ -1275,7 +1275,7 @@
           <a:p>
             <a:fld id="{4C6922A7-3BBE-4BCF-96FA-7C677138D0F8}" type="datetimeFigureOut">
               <a:rPr lang="ko-KR" altLang="en-US" smtClean="0"/>
-              <a:t>2017-03-07</a:t>
+              <a:t>2017-03-13</a:t>
             </a:fld>
             <a:endParaRPr lang="ko-KR" altLang="en-US"/>
           </a:p>
@@ -1642,7 +1642,7 @@
           <a:p>
             <a:fld id="{4C6922A7-3BBE-4BCF-96FA-7C677138D0F8}" type="datetimeFigureOut">
               <a:rPr lang="ko-KR" altLang="en-US" smtClean="0"/>
-              <a:t>2017-03-07</a:t>
+              <a:t>2017-03-13</a:t>
             </a:fld>
             <a:endParaRPr lang="ko-KR" altLang="en-US"/>
           </a:p>
@@ -1760,7 +1760,7 @@
           <a:p>
             <a:fld id="{4C6922A7-3BBE-4BCF-96FA-7C677138D0F8}" type="datetimeFigureOut">
               <a:rPr lang="ko-KR" altLang="en-US" smtClean="0"/>
-              <a:t>2017-03-07</a:t>
+              <a:t>2017-03-13</a:t>
             </a:fld>
             <a:endParaRPr lang="ko-KR" altLang="en-US"/>
           </a:p>
@@ -1855,7 +1855,7 @@
           <a:p>
             <a:fld id="{4C6922A7-3BBE-4BCF-96FA-7C677138D0F8}" type="datetimeFigureOut">
               <a:rPr lang="ko-KR" altLang="en-US" smtClean="0"/>
-              <a:t>2017-03-07</a:t>
+              <a:t>2017-03-13</a:t>
             </a:fld>
             <a:endParaRPr lang="ko-KR" altLang="en-US"/>
           </a:p>
@@ -2132,7 +2132,7 @@
           <a:p>
             <a:fld id="{4C6922A7-3BBE-4BCF-96FA-7C677138D0F8}" type="datetimeFigureOut">
               <a:rPr lang="ko-KR" altLang="en-US" smtClean="0"/>
-              <a:t>2017-03-07</a:t>
+              <a:t>2017-03-13</a:t>
             </a:fld>
             <a:endParaRPr lang="ko-KR" altLang="en-US"/>
           </a:p>
@@ -2385,7 +2385,7 @@
           <a:p>
             <a:fld id="{4C6922A7-3BBE-4BCF-96FA-7C677138D0F8}" type="datetimeFigureOut">
               <a:rPr lang="ko-KR" altLang="en-US" smtClean="0"/>
-              <a:t>2017-03-07</a:t>
+              <a:t>2017-03-13</a:t>
             </a:fld>
             <a:endParaRPr lang="ko-KR" altLang="en-US"/>
           </a:p>
@@ -2598,7 +2598,7 @@
           <a:p>
             <a:fld id="{4C6922A7-3BBE-4BCF-96FA-7C677138D0F8}" type="datetimeFigureOut">
               <a:rPr lang="ko-KR" altLang="en-US" smtClean="0"/>
-              <a:t>2017-03-07</a:t>
+              <a:t>2017-03-13</a:t>
             </a:fld>
             <a:endParaRPr lang="ko-KR" altLang="en-US"/>
           </a:p>
@@ -3126,7 +3126,6 @@
               <a:rPr lang="en-US" altLang="ko-KR" dirty="0" smtClean="0"/>
               <a:t>or print(x) or show(x).</a:t>
             </a:r>
-            <a:endParaRPr lang="en-US" altLang="ko-KR" dirty="0" smtClean="0"/>
           </a:p>
           <a:p>
             <a:pPr marL="0" indent="0">
@@ -3600,15 +3599,7 @@
             </a:r>
             <a:r>
               <a:rPr lang="en-US" altLang="ko-KR" i="1" dirty="0" smtClean="0"/>
-              <a:t>(to = 9, from </a:t>
-            </a:r>
-            <a:r>
-              <a:rPr lang="en-US" altLang="ko-KR" i="1" dirty="0" smtClean="0"/>
-              <a:t>=1</a:t>
-            </a:r>
-            <a:r>
-              <a:rPr lang="en-US" altLang="ko-KR" i="1" dirty="0" smtClean="0"/>
-              <a:t>)</a:t>
+              <a:t>(to = 9, from =1)</a:t>
             </a:r>
           </a:p>
           <a:p>
@@ -3910,11 +3901,7 @@
             </a:pPr>
             <a:r>
               <a:rPr lang="en-US" altLang="ko-KR" i="1" dirty="0" smtClean="0"/>
-              <a:t>&gt; </a:t>
-            </a:r>
-            <a:r>
-              <a:rPr lang="en-US" altLang="ko-KR" i="1" dirty="0" smtClean="0"/>
-              <a:t>(x &lt;- 100:110)</a:t>
+              <a:t>&gt; (x &lt;- 100:110)</a:t>
             </a:r>
           </a:p>
           <a:p>
@@ -4245,11 +4232,7 @@
             </a:r>
             <a:r>
               <a:rPr lang="en-US" altLang="ko-KR" i="1" dirty="0" smtClean="0"/>
-              <a:t>(1</a:t>
-            </a:r>
-            <a:r>
-              <a:rPr lang="en-US" altLang="ko-KR" i="1" dirty="0" smtClean="0"/>
-              <a:t>, 2, 3)</a:t>
+              <a:t>(1, 2, 3)</a:t>
             </a:r>
           </a:p>
           <a:p>
@@ -4262,15 +4245,7 @@
             </a:r>
             <a:r>
               <a:rPr lang="en-US" altLang="ko-KR" i="1" dirty="0" smtClean="0"/>
-              <a:t>y &lt;- </a:t>
-            </a:r>
-            <a:r>
-              <a:rPr lang="en-US" altLang="ko-KR" i="1" dirty="0" smtClean="0"/>
-              <a:t>c(4</a:t>
-            </a:r>
-            <a:r>
-              <a:rPr lang="en-US" altLang="ko-KR" i="1" dirty="0" smtClean="0"/>
-              <a:t>, 5, 6)</a:t>
+              <a:t>y &lt;- c(4, 5, 6)</a:t>
             </a:r>
           </a:p>
           <a:p>
@@ -5558,11 +5533,7 @@
             </a:r>
             <a:r>
               <a:rPr lang="en-US" altLang="ko-KR" i="1" dirty="0" smtClean="0"/>
-              <a:t>mean(c(1,2,3</a:t>
-            </a:r>
-            <a:r>
-              <a:rPr lang="en-US" altLang="ko-KR" i="1" dirty="0" smtClean="0"/>
-              <a:t>))</a:t>
+              <a:t>mean(c(1,2,3))</a:t>
             </a:r>
           </a:p>
           <a:p>
@@ -5781,8 +5752,13 @@
             </a:r>
             <a:r>
               <a:rPr lang="en-US" altLang="ko-KR" dirty="0" smtClean="0"/>
-              <a:t> FALSE</a:t>
-            </a:r>
+              <a:t> </a:t>
+            </a:r>
+            <a:r>
+              <a:rPr lang="en-US" altLang="ko-KR" smtClean="0"/>
+              <a:t>TRUE</a:t>
+            </a:r>
+            <a:endParaRPr lang="en-US" altLang="ko-KR" dirty="0" smtClean="0"/>
           </a:p>
         </p:txBody>
       </p:sp>
@@ -6122,15 +6098,7 @@
             </a:r>
             <a:r>
               <a:rPr lang="en-US" altLang="ko-KR" i="1" dirty="0" smtClean="0"/>
-              <a:t>x &lt;- c(1, 1, 2, 3, 5, </a:t>
-            </a:r>
-            <a:r>
-              <a:rPr lang="en-US" altLang="ko-KR" i="1" dirty="0" smtClean="0"/>
-              <a:t>8, </a:t>
-            </a:r>
-            <a:r>
-              <a:rPr lang="en-US" altLang="ko-KR" i="1" dirty="0" smtClean="0"/>
-              <a:t>13)</a:t>
+              <a:t>x &lt;- c(1, 1, 2, 3, 5, 8, 13)</a:t>
             </a:r>
           </a:p>
           <a:p>
@@ -7369,15 +7337,7 @@
             </a:r>
             <a:r>
               <a:rPr lang="en-US" altLang="ko-KR" i="1" dirty="0" smtClean="0"/>
-              <a:t> </a:t>
-            </a:r>
-            <a:r>
-              <a:rPr lang="en-US" altLang="ko-KR" i="1" dirty="0" smtClean="0"/>
-              <a:t>&lt;- </a:t>
-            </a:r>
-            <a:r>
-              <a:rPr lang="en-US" altLang="ko-KR" i="1" dirty="0" smtClean="0"/>
-              <a:t>solve(A)</a:t>
+              <a:t> &lt;- solve(A)</a:t>
             </a:r>
           </a:p>
           <a:p>
